--- a/46219471_Venkatesh K  .pptx
+++ b/46219471_Venkatesh K  .pptx
@@ -779,7 +779,7 @@
           <a:graphicData uri="http://schemas.openxmlformats.org/presentationml/2006/ole">
             <mc:AlternateContent xmlns:mc="http://schemas.openxmlformats.org/markup-compatibility/2006">
               <mc:Choice xmlns:v="urn:schemas-microsoft-com:vml" Requires="v">
-                <p:oleObj spid="_x0000_s2063" name="think-cell Slide" r:id="rId6" imgW="12700" imgH="12700" progId="">
+                <p:oleObj spid="_x0000_s2064" name="think-cell Slide" r:id="rId6" imgW="12700" imgH="12700" progId="">
                   <p:embed/>
                 </p:oleObj>
               </mc:Choice>
@@ -2134,7 +2134,7 @@
           <a:graphicData uri="http://schemas.openxmlformats.org/presentationml/2006/ole">
             <mc:AlternateContent xmlns:mc="http://schemas.openxmlformats.org/markup-compatibility/2006">
               <mc:Choice xmlns:v="urn:schemas-microsoft-com:vml" Requires="v">
-                <p:oleObj spid="_x0000_s8207" name="think-cell Slide" r:id="rId4" imgW="12700" imgH="12700" progId="TCLayout.ActiveDocument.1">
+                <p:oleObj spid="_x0000_s8208" name="think-cell Slide" r:id="rId4" imgW="12700" imgH="12700" progId="TCLayout.ActiveDocument.1">
                   <p:embed/>
                 </p:oleObj>
               </mc:Choice>
@@ -2595,7 +2595,7 @@
           <a:graphicData uri="http://schemas.openxmlformats.org/presentationml/2006/ole">
             <mc:AlternateContent xmlns:mc="http://schemas.openxmlformats.org/markup-compatibility/2006">
               <mc:Choice xmlns:v="urn:schemas-microsoft-com:vml" Requires="v">
-                <p:oleObj spid="_x0000_s9231" name="think-cell Slide" r:id="rId4" imgW="12700" imgH="12700" progId="TCLayout.ActiveDocument.1">
+                <p:oleObj spid="_x0000_s9232" name="think-cell Slide" r:id="rId4" imgW="12700" imgH="12700" progId="TCLayout.ActiveDocument.1">
                   <p:embed/>
                 </p:oleObj>
               </mc:Choice>
@@ -2717,7 +2717,7 @@
           <a:graphicData uri="http://schemas.openxmlformats.org/presentationml/2006/ole">
             <mc:AlternateContent xmlns:mc="http://schemas.openxmlformats.org/markup-compatibility/2006">
               <mc:Choice xmlns:v="urn:schemas-microsoft-com:vml" Requires="v">
-                <p:oleObj spid="_x0000_s10255" name="think-cell Slide" r:id="rId4" imgW="12700" imgH="12700" progId="TCLayout.ActiveDocument.1">
+                <p:oleObj spid="_x0000_s10256" name="think-cell Slide" r:id="rId4" imgW="12700" imgH="12700" progId="TCLayout.ActiveDocument.1">
                   <p:embed/>
                 </p:oleObj>
               </mc:Choice>
@@ -4162,7 +4162,7 @@
           <a:graphicData uri="http://schemas.openxmlformats.org/presentationml/2006/ole">
             <mc:AlternateContent xmlns:mc="http://schemas.openxmlformats.org/markup-compatibility/2006">
               <mc:Choice xmlns:v="urn:schemas-microsoft-com:vml" Requires="v">
-                <p:oleObj spid="_x0000_s3087" name="think-cell Slide" r:id="rId7" imgW="12700" imgH="12700" progId="">
+                <p:oleObj spid="_x0000_s3088" name="think-cell Slide" r:id="rId7" imgW="12700" imgH="12700" progId="">
                   <p:embed/>
                 </p:oleObj>
               </mc:Choice>
@@ -5015,7 +5015,7 @@
           <a:graphicData uri="http://schemas.openxmlformats.org/presentationml/2006/ole">
             <mc:AlternateContent xmlns:mc="http://schemas.openxmlformats.org/markup-compatibility/2006">
               <mc:Choice xmlns:v="urn:schemas-microsoft-com:vml" Requires="v">
-                <p:oleObj spid="_x0000_s12303" name="think-cell Slide" r:id="rId4" imgW="12700" imgH="12700" progId="TCLayout.ActiveDocument.1">
+                <p:oleObj spid="_x0000_s12304" name="think-cell Slide" r:id="rId4" imgW="12700" imgH="12700" progId="TCLayout.ActiveDocument.1">
                   <p:embed/>
                 </p:oleObj>
               </mc:Choice>
@@ -5476,7 +5476,7 @@
           <a:graphicData uri="http://schemas.openxmlformats.org/presentationml/2006/ole">
             <mc:AlternateContent xmlns:mc="http://schemas.openxmlformats.org/markup-compatibility/2006">
               <mc:Choice xmlns:v="urn:schemas-microsoft-com:vml" Requires="v">
-                <p:oleObj spid="_x0000_s13327" name="think-cell Slide" r:id="rId4" imgW="12700" imgH="12700" progId="TCLayout.ActiveDocument.1">
+                <p:oleObj spid="_x0000_s13328" name="think-cell Slide" r:id="rId4" imgW="12700" imgH="12700" progId="TCLayout.ActiveDocument.1">
                   <p:embed/>
                 </p:oleObj>
               </mc:Choice>
@@ -7298,7 +7298,7 @@
           <a:graphicData uri="http://schemas.openxmlformats.org/presentationml/2006/ole">
             <mc:AlternateContent xmlns:mc="http://schemas.openxmlformats.org/markup-compatibility/2006">
               <mc:Choice xmlns:v="urn:schemas-microsoft-com:vml" Requires="v">
-                <p:oleObj spid="_x0000_s14351" name="think-cell Slide" r:id="rId4" imgW="12700" imgH="12700" progId="TCLayout.ActiveDocument.1">
+                <p:oleObj spid="_x0000_s14352" name="think-cell Slide" r:id="rId4" imgW="12700" imgH="12700" progId="TCLayout.ActiveDocument.1">
                   <p:embed/>
                 </p:oleObj>
               </mc:Choice>
@@ -10706,7 +10706,7 @@
           <a:graphicData uri="http://schemas.openxmlformats.org/presentationml/2006/ole">
             <mc:AlternateContent xmlns:mc="http://schemas.openxmlformats.org/markup-compatibility/2006">
               <mc:Choice xmlns:v="urn:schemas-microsoft-com:vml" Requires="v">
-                <p:oleObj spid="_x0000_s4111" name="think-cell Slide" r:id="rId7" imgW="12700" imgH="12700" progId="">
+                <p:oleObj spid="_x0000_s4112" name="think-cell Slide" r:id="rId7" imgW="12700" imgH="12700" progId="">
                   <p:embed/>
                 </p:oleObj>
               </mc:Choice>
@@ -10947,7 +10947,7 @@
           <a:graphicData uri="http://schemas.openxmlformats.org/presentationml/2006/ole">
             <mc:AlternateContent xmlns:mc="http://schemas.openxmlformats.org/markup-compatibility/2006">
               <mc:Choice xmlns:v="urn:schemas-microsoft-com:vml" Requires="v">
-                <p:oleObj spid="_x0000_s5135" name="think-cell Slide" r:id="rId9" imgW="12700" imgH="12700" progId="">
+                <p:oleObj spid="_x0000_s5136" name="think-cell Slide" r:id="rId9" imgW="12700" imgH="12700" progId="">
                   <p:embed/>
                 </p:oleObj>
               </mc:Choice>
@@ -12114,7 +12114,7 @@
           <a:graphicData uri="http://schemas.openxmlformats.org/presentationml/2006/ole">
             <mc:AlternateContent xmlns:mc="http://schemas.openxmlformats.org/markup-compatibility/2006">
               <mc:Choice xmlns:v="urn:schemas-microsoft-com:vml" Requires="v">
-                <p:oleObj spid="_x0000_s6159" name="think-cell Slide" r:id="rId5" imgW="12700" imgH="12700" progId="">
+                <p:oleObj spid="_x0000_s6160" name="think-cell Slide" r:id="rId5" imgW="12700" imgH="12700" progId="">
                   <p:embed/>
                 </p:oleObj>
               </mc:Choice>
@@ -12243,7 +12243,7 @@
           <a:graphicData uri="http://schemas.openxmlformats.org/presentationml/2006/ole">
             <mc:AlternateContent xmlns:mc="http://schemas.openxmlformats.org/markup-compatibility/2006">
               <mc:Choice xmlns:v="urn:schemas-microsoft-com:vml" Requires="v">
-                <p:oleObj spid="_x0000_s7183" name="think-cell Slide" r:id="rId4" imgW="12700" imgH="12700" progId="">
+                <p:oleObj spid="_x0000_s7184" name="think-cell Slide" r:id="rId4" imgW="12700" imgH="12700" progId="">
                   <p:embed/>
                 </p:oleObj>
               </mc:Choice>
@@ -12633,7 +12633,7 @@
           <a:graphicData uri="http://schemas.openxmlformats.org/presentationml/2006/ole">
             <mc:AlternateContent xmlns:mc="http://schemas.openxmlformats.org/markup-compatibility/2006">
               <mc:Choice xmlns:v="urn:schemas-microsoft-com:vml" Requires="v">
-                <p:oleObj spid="_x0000_s1039" name="think-cell Slide" r:id="rId25" imgW="12700" imgH="12700" progId="">
+                <p:oleObj spid="_x0000_s1040" name="think-cell Slide" r:id="rId25" imgW="12700" imgH="12700" progId="">
                   <p:embed/>
                 </p:oleObj>
               </mc:Choice>
@@ -15134,7 +15134,7 @@
           <a:graphicData uri="http://schemas.openxmlformats.org/presentationml/2006/ole">
             <mc:AlternateContent xmlns:mc="http://schemas.openxmlformats.org/markup-compatibility/2006">
               <mc:Choice xmlns:v="urn:schemas-microsoft-com:vml" Requires="v">
-                <p:oleObj spid="_x0000_s11279" name="think-cell Slide" r:id="rId14" imgW="12700" imgH="12700" progId="TCLayout.ActiveDocument.1">
+                <p:oleObj spid="_x0000_s11280" name="think-cell Slide" r:id="rId14" imgW="12700" imgH="12700" progId="TCLayout.ActiveDocument.1">
                   <p:embed/>
                 </p:oleObj>
               </mc:Choice>
@@ -17240,62 +17240,6 @@
           </a:p>
         </p:txBody>
       </p:sp>
-      <p:pic>
-        <p:nvPicPr>
-          <p:cNvPr id="7179" name="Picture 7">
-            <a:hlinkClick r:id="rId3"/>
-          </p:cNvPr>
-          <p:cNvPicPr>
-            <a:picLocks noChangeAspect="1" noChangeArrowheads="1"/>
-          </p:cNvPicPr>
-          <p:nvPr/>
-        </p:nvPicPr>
-        <p:blipFill>
-          <a:blip r:embed="rId4" cstate="print">
-            <a:extLst>
-              <a:ext uri="{28A0092B-C50C-407E-A947-70E740481C1C}">
-                <a14:useLocalDpi xmlns:a14="http://schemas.microsoft.com/office/drawing/2010/main" val="0"/>
-              </a:ext>
-            </a:extLst>
-          </a:blip>
-          <a:srcRect l="23582" t="2058" r="24332" b="4875"/>
-          <a:stretch>
-            <a:fillRect/>
-          </a:stretch>
-        </p:blipFill>
-        <p:spPr bwMode="auto">
-          <a:xfrm>
-            <a:off x="5058965" y="6152354"/>
-            <a:ext cx="461699" cy="437516"/>
-          </a:xfrm>
-          <a:prstGeom prst="rect">
-            <a:avLst/>
-          </a:prstGeom>
-          <a:noFill/>
-          <a:ln>
-            <a:noFill/>
-          </a:ln>
-          <a:extLst>
-            <a:ext uri="{909E8E84-426E-40DD-AFC4-6F175D3DCCD1}">
-              <a14:hiddenFill xmlns:a14="http://schemas.microsoft.com/office/drawing/2010/main">
-                <a:solidFill>
-                  <a:srgbClr val="FFFFFF"/>
-                </a:solidFill>
-              </a14:hiddenFill>
-            </a:ext>
-            <a:ext uri="{91240B29-F687-4F45-9708-019B960494DF}">
-              <a14:hiddenLine xmlns:a14="http://schemas.microsoft.com/office/drawing/2010/main" w="9525">
-                <a:solidFill>
-                  <a:srgbClr val="000000"/>
-                </a:solidFill>
-                <a:miter lim="800000"/>
-                <a:headEnd/>
-                <a:tailEnd/>
-              </a14:hiddenLine>
-            </a:ext>
-          </a:extLst>
-        </p:spPr>
-      </p:pic>
       <p:sp>
         <p:nvSpPr>
           <p:cNvPr id="7183" name="Text Placeholder 25"/>
@@ -17849,49 +17793,6 @@
           </a:p>
         </p:txBody>
       </p:sp>
-      <p:sp>
-        <p:nvSpPr>
-          <p:cNvPr id="28" name="TextBox 27">
-            <a:extLst>
-              <a:ext uri="{FF2B5EF4-FFF2-40B4-BE49-F238E27FC236}">
-                <a16:creationId xmlns:a16="http://schemas.microsoft.com/office/drawing/2014/main" id="{8B715745-D2E2-474D-AF99-47FAEDE90CDE}"/>
-              </a:ext>
-            </a:extLst>
-          </p:cNvPr>
-          <p:cNvSpPr txBox="1"/>
-          <p:nvPr/>
-        </p:nvSpPr>
-        <p:spPr>
-          <a:xfrm>
-            <a:off x="5581595" y="6235711"/>
-            <a:ext cx="3257605" cy="261610"/>
-          </a:xfrm>
-          <a:prstGeom prst="rect">
-            <a:avLst/>
-          </a:prstGeom>
-          <a:noFill/>
-        </p:spPr>
-        <p:txBody>
-          <a:bodyPr wrap="square">
-            <a:spAutoFit/>
-          </a:bodyPr>
-          <a:lstStyle/>
-          <a:p>
-            <a:pPr defTabSz="914368">
-              <a:defRPr/>
-            </a:pPr>
-            <a:r>
-              <a:rPr lang="en-IN" altLang="en-US" sz="1100" dirty="0">
-                <a:solidFill>
-                  <a:prstClr val="black"/>
-                </a:solidFill>
-                <a:latin typeface="Verdana" panose="020B0604030504040204" pitchFamily="34" charset="0"/>
-              </a:rPr>
-              <a:t>Check out my work on GitHub</a:t>
-            </a:r>
-          </a:p>
-        </p:txBody>
-      </p:sp>
       <p:pic>
         <p:nvPicPr>
           <p:cNvPr id="15" name="Picture Placeholder 14" descr="A person with a beard&#10;&#10;Description automatically generated with low confidence">
@@ -17909,7 +17810,7 @@
           </p:nvPr>
         </p:nvPicPr>
         <p:blipFill>
-          <a:blip r:embed="rId5">
+          <a:blip r:embed="rId3">
             <a:extLst>
               <a:ext uri="{28A0092B-C50C-407E-A947-70E740481C1C}">
                 <a14:useLocalDpi xmlns:a14="http://schemas.microsoft.com/office/drawing/2010/main" val="0"/>
@@ -19060,6 +18961,21 @@
 </file>
 
 <file path=customXml/item1.xml><?xml version="1.0" encoding="utf-8"?>
+<?mso-contentType ?>
+<FormTemplates xmlns="http://schemas.microsoft.com/sharepoint/v3/contenttype/forms">
+  <Display>DocumentLibraryForm</Display>
+  <Edit>DocumentLibraryForm</Edit>
+  <New>DocumentLibraryForm</New>
+</FormTemplates>
+</file>
+
+<file path=customXml/item2.xml><?xml version="1.0" encoding="utf-8"?>
+<p:properties xmlns:p="http://schemas.microsoft.com/office/2006/metadata/properties" xmlns:xsi="http://www.w3.org/2001/XMLSchema-instance" xmlns:pc="http://schemas.microsoft.com/office/infopath/2007/PartnerControls">
+  <documentManagement/>
+</p:properties>
+</file>
+
+<file path=customXml/item3.xml><?xml version="1.0" encoding="utf-8"?>
 <ct:contentTypeSchema xmlns:ct="http://schemas.microsoft.com/office/2006/metadata/contentType" xmlns:ma="http://schemas.microsoft.com/office/2006/metadata/properties/metaAttributes" ct:_="" ma:_="" ma:contentTypeName="Document" ma:contentTypeID="0x010100F75A248773DC9D48BF09FA863687EDD5" ma:contentTypeVersion="2" ma:contentTypeDescription="Create a new document." ma:contentTypeScope="" ma:versionID="42c1056a85c3fb3ade343eee025f50f6">
   <xsd:schema xmlns:xsd="http://www.w3.org/2001/XMLSchema" xmlns:xs="http://www.w3.org/2001/XMLSchema" xmlns:p="http://schemas.microsoft.com/office/2006/metadata/properties" xmlns:ns2="23e0b11b-d854-4e13-b2dc-268ff2d1feba" targetNamespace="http://schemas.microsoft.com/office/2006/metadata/properties" ma:root="true" ma:fieldsID="b7c70e4f06a8a228146d59eef8ff01f1" ns2:_="">
     <xsd:import namespace="23e0b11b-d854-4e13-b2dc-268ff2d1feba"/>
@@ -19191,35 +19107,10 @@
 </ct:contentTypeSchema>
 </file>
 
-<file path=customXml/item2.xml><?xml version="1.0" encoding="utf-8"?>
-<p:properties xmlns:p="http://schemas.microsoft.com/office/2006/metadata/properties" xmlns:xsi="http://www.w3.org/2001/XMLSchema-instance" xmlns:pc="http://schemas.microsoft.com/office/infopath/2007/PartnerControls">
-  <documentManagement/>
-</p:properties>
-</file>
-
-<file path=customXml/item3.xml><?xml version="1.0" encoding="utf-8"?>
-<?mso-contentType ?>
-<FormTemplates xmlns="http://schemas.microsoft.com/sharepoint/v3/contenttype/forms">
-  <Display>DocumentLibraryForm</Display>
-  <Edit>DocumentLibraryForm</Edit>
-  <New>DocumentLibraryForm</New>
-</FormTemplates>
-</file>
-
 <file path=customXml/itemProps1.xml><?xml version="1.0" encoding="utf-8"?>
-<ds:datastoreItem xmlns:ds="http://schemas.openxmlformats.org/officeDocument/2006/customXml" ds:itemID="{B6772639-A277-4F03-A750-02A6CF271C0B}">
+<ds:datastoreItem xmlns:ds="http://schemas.openxmlformats.org/officeDocument/2006/customXml" ds:itemID="{538D68B9-DE10-4321-909E-B00E3A00F980}">
   <ds:schemaRefs>
-    <ds:schemaRef ds:uri="http://schemas.microsoft.com/office/2006/metadata/contentType"/>
-    <ds:schemaRef ds:uri="http://schemas.microsoft.com/office/2006/metadata/properties/metaAttributes"/>
-    <ds:schemaRef ds:uri="http://www.w3.org/2001/XMLSchema"/>
-    <ds:schemaRef ds:uri="http://schemas.microsoft.com/office/2006/metadata/properties"/>
-    <ds:schemaRef ds:uri="23e0b11b-d854-4e13-b2dc-268ff2d1feba"/>
-    <ds:schemaRef ds:uri="http://schemas.microsoft.com/office/2006/documentManagement/types"/>
-    <ds:schemaRef ds:uri="http://schemas.microsoft.com/office/infopath/2007/PartnerControls"/>
-    <ds:schemaRef ds:uri="http://schemas.openxmlformats.org/package/2006/metadata/core-properties"/>
-    <ds:schemaRef ds:uri="http://purl.org/dc/elements/1.1/"/>
-    <ds:schemaRef ds:uri="http://purl.org/dc/terms/"/>
-    <ds:schemaRef ds:uri="http://schemas.microsoft.com/internal/obd"/>
+    <ds:schemaRef ds:uri="http://schemas.microsoft.com/sharepoint/v3/contenttype/forms"/>
   </ds:schemaRefs>
 </ds:datastoreItem>
 </file>
@@ -19241,9 +19132,19 @@
 </file>
 
 <file path=customXml/itemProps3.xml><?xml version="1.0" encoding="utf-8"?>
-<ds:datastoreItem xmlns:ds="http://schemas.openxmlformats.org/officeDocument/2006/customXml" ds:itemID="{538D68B9-DE10-4321-909E-B00E3A00F980}">
+<ds:datastoreItem xmlns:ds="http://schemas.openxmlformats.org/officeDocument/2006/customXml" ds:itemID="{B6772639-A277-4F03-A750-02A6CF271C0B}">
   <ds:schemaRefs>
-    <ds:schemaRef ds:uri="http://schemas.microsoft.com/sharepoint/v3/contenttype/forms"/>
+    <ds:schemaRef ds:uri="http://schemas.microsoft.com/office/2006/metadata/contentType"/>
+    <ds:schemaRef ds:uri="http://schemas.microsoft.com/office/2006/metadata/properties/metaAttributes"/>
+    <ds:schemaRef ds:uri="http://www.w3.org/2001/XMLSchema"/>
+    <ds:schemaRef ds:uri="http://schemas.microsoft.com/office/2006/metadata/properties"/>
+    <ds:schemaRef ds:uri="23e0b11b-d854-4e13-b2dc-268ff2d1feba"/>
+    <ds:schemaRef ds:uri="http://schemas.microsoft.com/office/2006/documentManagement/types"/>
+    <ds:schemaRef ds:uri="http://schemas.microsoft.com/office/infopath/2007/PartnerControls"/>
+    <ds:schemaRef ds:uri="http://schemas.openxmlformats.org/package/2006/metadata/core-properties"/>
+    <ds:schemaRef ds:uri="http://purl.org/dc/elements/1.1/"/>
+    <ds:schemaRef ds:uri="http://purl.org/dc/terms/"/>
+    <ds:schemaRef ds:uri="http://schemas.microsoft.com/internal/obd"/>
   </ds:schemaRefs>
 </ds:datastoreItem>
 </file>